--- a/viz/Synonym_and_Hypernym_Collapsing.pptx
+++ b/viz/Synonym_and_Hypernym_Collapsing.pptx
@@ -107,6 +107,22 @@
       </a:defRPr>
     </a:lvl9pPr>
   </p:defaultTextStyle>
+  <p:extLst>
+    <p:ext uri="{EFAFB233-063F-42B5-8137-9DF3F51BA10A}">
+      <p15:sldGuideLst xmlns:p15="http://schemas.microsoft.com/office/powerpoint/2012/main">
+        <p15:guide id="1" orient="horz" pos="2160">
+          <p15:clr>
+            <a:srgbClr val="A4A3A4"/>
+          </p15:clr>
+        </p15:guide>
+        <p15:guide id="2" pos="2880">
+          <p15:clr>
+            <a:srgbClr val="A4A3A4"/>
+          </p15:clr>
+        </p15:guide>
+      </p15:sldGuideLst>
+    </p:ext>
+  </p:extLst>
 </p:presentation>
 </file>
 
@@ -3171,6 +3187,9 @@
               </a:path>
             </a:pathLst>
           </a:custGeom>
+          <a:solidFill>
+            <a:srgbClr val="00BCD4"/>
+          </a:solidFill>
         </p:spPr>
         <p:style>
           <a:lnRef idx="2">
@@ -3372,6 +3391,11 @@
               </a:path>
             </a:pathLst>
           </a:custGeom>
+          <a:solidFill>
+            <a:schemeClr val="bg1">
+              <a:lumMod val="65000"/>
+            </a:schemeClr>
+          </a:solidFill>
         </p:spPr>
         <p:style>
           <a:lnRef idx="0">
@@ -3499,6 +3523,9 @@
               </a:path>
             </a:pathLst>
           </a:custGeom>
+          <a:solidFill>
+            <a:srgbClr val="00BCD4"/>
+          </a:solidFill>
         </p:spPr>
         <p:style>
           <a:lnRef idx="2">
@@ -3660,6 +3687,11 @@
               </a:path>
             </a:pathLst>
           </a:custGeom>
+          <a:solidFill>
+            <a:schemeClr val="bg1">
+              <a:lumMod val="65000"/>
+            </a:schemeClr>
+          </a:solidFill>
         </p:spPr>
         <p:style>
           <a:lnRef idx="0">
@@ -3787,6 +3819,9 @@
               </a:path>
             </a:pathLst>
           </a:custGeom>
+          <a:solidFill>
+            <a:srgbClr val="00BCD4"/>
+          </a:solidFill>
         </p:spPr>
         <p:style>
           <a:lnRef idx="2">
@@ -3915,6 +3950,9 @@
               </a:path>
             </a:pathLst>
           </a:custGeom>
+          <a:solidFill>
+            <a:srgbClr val="00BCD4"/>
+          </a:solidFill>
         </p:spPr>
         <p:style>
           <a:lnRef idx="2">
@@ -4060,6 +4098,9 @@
               </a:path>
             </a:pathLst>
           </a:custGeom>
+          <a:solidFill>
+            <a:srgbClr val="00BCD4"/>
+          </a:solidFill>
         </p:spPr>
         <p:style>
           <a:lnRef idx="2">
@@ -4261,6 +4302,11 @@
               </a:path>
             </a:pathLst>
           </a:custGeom>
+          <a:solidFill>
+            <a:schemeClr val="bg1">
+              <a:lumMod val="65000"/>
+            </a:schemeClr>
+          </a:solidFill>
         </p:spPr>
         <p:style>
           <a:lnRef idx="0">
@@ -4404,6 +4450,11 @@
               </a:path>
             </a:pathLst>
           </a:custGeom>
+          <a:solidFill>
+            <a:schemeClr val="bg1">
+              <a:lumMod val="65000"/>
+            </a:schemeClr>
+          </a:solidFill>
         </p:spPr>
         <p:style>
           <a:lnRef idx="0">
@@ -4561,6 +4612,9 @@
               </a:path>
             </a:pathLst>
           </a:custGeom>
+          <a:solidFill>
+            <a:srgbClr val="00BCD4"/>
+          </a:solidFill>
         </p:spPr>
         <p:style>
           <a:lnRef idx="2">
@@ -4762,6 +4816,11 @@
               </a:path>
             </a:pathLst>
           </a:custGeom>
+          <a:solidFill>
+            <a:schemeClr val="bg1">
+              <a:lumMod val="65000"/>
+            </a:schemeClr>
+          </a:solidFill>
         </p:spPr>
         <p:style>
           <a:lnRef idx="0">
@@ -4889,6 +4948,9 @@
               </a:path>
             </a:pathLst>
           </a:custGeom>
+          <a:solidFill>
+            <a:srgbClr val="00BCD4"/>
+          </a:solidFill>
         </p:spPr>
         <p:style>
           <a:lnRef idx="2">
@@ -5050,6 +5112,11 @@
               </a:path>
             </a:pathLst>
           </a:custGeom>
+          <a:solidFill>
+            <a:schemeClr val="bg1">
+              <a:lumMod val="65000"/>
+            </a:schemeClr>
+          </a:solidFill>
         </p:spPr>
         <p:style>
           <a:lnRef idx="0">
@@ -5177,6 +5244,9 @@
               </a:path>
             </a:pathLst>
           </a:custGeom>
+          <a:solidFill>
+            <a:srgbClr val="00BCD4"/>
+          </a:solidFill>
         </p:spPr>
         <p:style>
           <a:lnRef idx="2">
@@ -5335,6 +5405,9 @@
               </a:path>
             </a:pathLst>
           </a:custGeom>
+          <a:solidFill>
+            <a:srgbClr val="00BCD4"/>
+          </a:solidFill>
         </p:spPr>
         <p:style>
           <a:lnRef idx="2">
@@ -5536,6 +5609,11 @@
               </a:path>
             </a:pathLst>
           </a:custGeom>
+          <a:solidFill>
+            <a:schemeClr val="bg1">
+              <a:lumMod val="65000"/>
+            </a:schemeClr>
+          </a:solidFill>
         </p:spPr>
         <p:style>
           <a:lnRef idx="0">
@@ -5663,6 +5741,9 @@
               </a:path>
             </a:pathLst>
           </a:custGeom>
+          <a:solidFill>
+            <a:srgbClr val="00BCD4"/>
+          </a:solidFill>
         </p:spPr>
         <p:style>
           <a:lnRef idx="2">
@@ -5824,6 +5905,11 @@
               </a:path>
             </a:pathLst>
           </a:custGeom>
+          <a:solidFill>
+            <a:schemeClr val="bg1">
+              <a:lumMod val="65000"/>
+            </a:schemeClr>
+          </a:solidFill>
         </p:spPr>
         <p:style>
           <a:lnRef idx="0">
@@ -5951,6 +6037,9 @@
               </a:path>
             </a:pathLst>
           </a:custGeom>
+          <a:solidFill>
+            <a:srgbClr val="00BCD4"/>
+          </a:solidFill>
         </p:spPr>
         <p:style>
           <a:lnRef idx="2">
@@ -6079,6 +6168,9 @@
               </a:path>
             </a:pathLst>
           </a:custGeom>
+          <a:solidFill>
+            <a:srgbClr val="00BCD4"/>
+          </a:solidFill>
         </p:spPr>
         <p:style>
           <a:lnRef idx="2">
@@ -6224,6 +6316,9 @@
               </a:path>
             </a:pathLst>
           </a:custGeom>
+          <a:solidFill>
+            <a:srgbClr val="00BCD4"/>
+          </a:solidFill>
         </p:spPr>
         <p:style>
           <a:lnRef idx="2">
@@ -6425,6 +6520,11 @@
               </a:path>
             </a:pathLst>
           </a:custGeom>
+          <a:solidFill>
+            <a:schemeClr val="bg1">
+              <a:lumMod val="65000"/>
+            </a:schemeClr>
+          </a:solidFill>
         </p:spPr>
         <p:style>
           <a:lnRef idx="0">
@@ -6568,6 +6668,11 @@
               </a:path>
             </a:pathLst>
           </a:custGeom>
+          <a:solidFill>
+            <a:schemeClr val="bg1">
+              <a:lumMod val="65000"/>
+            </a:schemeClr>
+          </a:solidFill>
         </p:spPr>
         <p:style>
           <a:lnRef idx="0">
@@ -6725,6 +6830,9 @@
               </a:path>
             </a:pathLst>
           </a:custGeom>
+          <a:solidFill>
+            <a:srgbClr val="00BCD4"/>
+          </a:solidFill>
         </p:spPr>
         <p:style>
           <a:lnRef idx="2">
@@ -6926,6 +7034,11 @@
               </a:path>
             </a:pathLst>
           </a:custGeom>
+          <a:solidFill>
+            <a:schemeClr val="bg1">
+              <a:lumMod val="65000"/>
+            </a:schemeClr>
+          </a:solidFill>
         </p:spPr>
         <p:style>
           <a:lnRef idx="0">
@@ -7053,6 +7166,9 @@
               </a:path>
             </a:pathLst>
           </a:custGeom>
+          <a:solidFill>
+            <a:srgbClr val="00BCD4"/>
+          </a:solidFill>
         </p:spPr>
         <p:style>
           <a:lnRef idx="2">
@@ -7214,6 +7330,11 @@
               </a:path>
             </a:pathLst>
           </a:custGeom>
+          <a:solidFill>
+            <a:schemeClr val="bg1">
+              <a:lumMod val="65000"/>
+            </a:schemeClr>
+          </a:solidFill>
         </p:spPr>
         <p:style>
           <a:lnRef idx="0">
@@ -7341,6 +7462,9 @@
               </a:path>
             </a:pathLst>
           </a:custGeom>
+          <a:solidFill>
+            <a:srgbClr val="00BCD4"/>
+          </a:solidFill>
         </p:spPr>
         <p:style>
           <a:lnRef idx="2">
